--- a/EHallstrom Applied Data Science Capstone.pptx
+++ b/EHallstrom Applied Data Science Capstone.pptx
@@ -113,6 +113,11 @@
       </a:defRPr>
     </a:lvl9pPr>
   </p:defaultTextStyle>
+  <p:extLst>
+    <p:ext uri="{EFAFB233-063F-42B5-8137-9DF3F51BA10A}">
+      <p15:sldGuideLst xmlns:p15="http://schemas.microsoft.com/office/powerpoint/2012/main"/>
+    </p:ext>
+  </p:extLst>
 </p:presentation>
 </file>
 
@@ -452,7 +457,7 @@
             <a:fld id="{5923F103-BC34-4FE4-A40E-EDDEECFDA5D0}" type="datetimeFigureOut">
               <a:rPr lang="en-US" dirty="0"/>
               <a:pPr/>
-              <a:t>5/7/2020</a:t>
+              <a:t>5/8/2020</a:t>
             </a:fld>
             <a:endParaRPr lang="en-US" dirty="0"/>
           </a:p>
@@ -1536,7 +1541,7 @@
           <a:p>
             <a:fld id="{923A1CC3-2375-41D4-9E03-427CAF2A4C1A}" type="datetimeFigureOut">
               <a:rPr lang="en-US" dirty="0"/>
-              <a:t>5/7/2020</a:t>
+              <a:t>5/8/2020</a:t>
             </a:fld>
             <a:endParaRPr lang="en-US" dirty="0"/>
           </a:p>
@@ -2512,7 +2517,7 @@
           <a:p>
             <a:fld id="{AFF16868-8199-4C2C-A5B1-63AEE139F88E}" type="datetimeFigureOut">
               <a:rPr lang="en-US" dirty="0"/>
-              <a:t>5/7/2020</a:t>
+              <a:t>5/8/2020</a:t>
             </a:fld>
             <a:endParaRPr lang="en-US" dirty="0"/>
           </a:p>
@@ -3642,7 +3647,7 @@
           <a:p>
             <a:fld id="{AAD9FF7F-6988-44CC-821B-644E70CD2F73}" type="datetimeFigureOut">
               <a:rPr lang="en-US" dirty="0"/>
-              <a:t>5/7/2020</a:t>
+              <a:t>5/8/2020</a:t>
             </a:fld>
             <a:endParaRPr lang="en-US" dirty="0"/>
           </a:p>
@@ -4671,7 +4676,7 @@
           <a:p>
             <a:fld id="{5C12C299-16B2-4475-990D-751901EACC14}" type="datetimeFigureOut">
               <a:rPr lang="en-US" dirty="0"/>
-              <a:t>5/7/2020</a:t>
+              <a:t>5/8/2020</a:t>
             </a:fld>
             <a:endParaRPr lang="en-US" dirty="0"/>
           </a:p>
@@ -5327,7 +5332,7 @@
           <a:p>
             <a:fld id="{9FE86839-B9D8-4651-8783-F325ECE74E65}" type="datetimeFigureOut">
               <a:rPr lang="en-US" dirty="0"/>
-              <a:t>5/7/2020</a:t>
+              <a:t>5/8/2020</a:t>
             </a:fld>
             <a:endParaRPr lang="en-US" dirty="0"/>
           </a:p>
@@ -6184,7 +6189,7 @@
           <a:p>
             <a:fld id="{FD484F64-32F6-45C5-931F-ADC1662401D0}" type="datetimeFigureOut">
               <a:rPr lang="en-US" dirty="0"/>
-              <a:t>5/7/2020</a:t>
+              <a:t>5/8/2020</a:t>
             </a:fld>
             <a:endParaRPr lang="en-US" dirty="0"/>
           </a:p>
@@ -6370,7 +6375,7 @@
           <a:p>
             <a:fld id="{53086D93-FCAC-47E0-A2EE-787E62CA814C}" type="datetimeFigureOut">
               <a:rPr lang="en-US" dirty="0"/>
-              <a:t>5/7/2020</a:t>
+              <a:t>5/8/2020</a:t>
             </a:fld>
             <a:endParaRPr lang="en-US" dirty="0"/>
           </a:p>
@@ -7338,7 +7343,7 @@
           <a:p>
             <a:fld id="{CDA879A6-0FD0-4734-A311-86BFCA472E6E}" type="datetimeFigureOut">
               <a:rPr lang="en-US" dirty="0"/>
-              <a:t>5/7/2020</a:t>
+              <a:t>5/8/2020</a:t>
             </a:fld>
             <a:endParaRPr lang="en-US" dirty="0"/>
           </a:p>
@@ -7545,7 +7550,7 @@
           <a:p>
             <a:fld id="{19C9CA7B-DFD4-44B5-8C60-D14B8CD1FB59}" type="datetimeFigureOut">
               <a:rPr lang="en-US" dirty="0"/>
-              <a:t>5/7/2020</a:t>
+              <a:t>5/8/2020</a:t>
             </a:fld>
             <a:endParaRPr lang="en-US" dirty="0"/>
           </a:p>
@@ -8575,7 +8580,7 @@
           <a:p>
             <a:fld id="{F34E6425-0181-43F2-84FC-787E803FD2F8}" type="datetimeFigureOut">
               <a:rPr lang="en-US" dirty="0"/>
-              <a:t>5/7/2020</a:t>
+              <a:t>5/8/2020</a:t>
             </a:fld>
             <a:endParaRPr lang="en-US" dirty="0"/>
           </a:p>
@@ -8843,7 +8848,7 @@
           <a:p>
             <a:fld id="{3BDB8791-F1B0-41E7-B7FD-A781E65C4266}" type="datetimeFigureOut">
               <a:rPr lang="en-US" dirty="0"/>
-              <a:t>5/7/2020</a:t>
+              <a:t>5/8/2020</a:t>
             </a:fld>
             <a:endParaRPr lang="en-US" dirty="0"/>
           </a:p>
@@ -9249,7 +9254,7 @@
           <a:p>
             <a:fld id="{5FDD63B2-E120-4ED8-B27B-C685F510A5FE}" type="datetimeFigureOut">
               <a:rPr lang="en-US" dirty="0"/>
-              <a:t>5/7/2020</a:t>
+              <a:t>5/8/2020</a:t>
             </a:fld>
             <a:endParaRPr lang="en-US" dirty="0"/>
           </a:p>
@@ -9372,7 +9377,7 @@
           <a:p>
             <a:fld id="{7AA18ACC-A947-437B-A130-35BD54FDF1E9}" type="datetimeFigureOut">
               <a:rPr lang="en-US" dirty="0"/>
-              <a:t>5/7/2020</a:t>
+              <a:t>5/8/2020</a:t>
             </a:fld>
             <a:endParaRPr lang="en-US" dirty="0"/>
           </a:p>
@@ -9463,7 +9468,7 @@
           <a:p>
             <a:fld id="{7C8D7E02-BCB8-4D50-A234-369438C08659}" type="datetimeFigureOut">
               <a:rPr lang="en-US" dirty="0"/>
-              <a:t>5/7/2020</a:t>
+              <a:t>5/8/2020</a:t>
             </a:fld>
             <a:endParaRPr lang="en-US" dirty="0"/>
           </a:p>
@@ -10540,7 +10545,7 @@
           <a:p>
             <a:fld id="{76E86A4C-8E40-4F87-A4F0-01A0687C5742}" type="datetimeFigureOut">
               <a:rPr lang="en-US" dirty="0"/>
-              <a:t>5/7/2020</a:t>
+              <a:t>5/8/2020</a:t>
             </a:fld>
             <a:endParaRPr lang="en-US" dirty="0"/>
           </a:p>
@@ -11644,7 +11649,7 @@
           <a:p>
             <a:fld id="{35E72C73-2D91-4E12-BA25-F0AA0C03599B}" type="datetimeFigureOut">
               <a:rPr lang="en-US" dirty="0"/>
-              <a:t>5/7/2020</a:t>
+              <a:t>5/8/2020</a:t>
             </a:fld>
             <a:endParaRPr lang="en-US" dirty="0"/>
           </a:p>
@@ -12637,7 +12642,7 @@
           <a:p>
             <a:fld id="{2BE451C3-0FF4-47C4-B829-773ADF60F88C}" type="datetimeFigureOut">
               <a:rPr lang="en-US" dirty="0"/>
-              <a:t>5/7/2020</a:t>
+              <a:t>5/8/2020</a:t>
             </a:fld>
             <a:endParaRPr lang="en-US" dirty="0"/>
           </a:p>
@@ -13336,7 +13341,7 @@
           <a:p>
             <a:r>
               <a:rPr lang="en-US" dirty="0"/>
-              <a:t>Conclusion section where you conclude the report.</a:t>
+              <a:t>Based on the request to determine where to build a new American Restaurant, we would recommend to our client to investigate zip codes 85021 and 85045. </a:t>
             </a:r>
           </a:p>
         </p:txBody>
@@ -13422,7 +13427,7 @@
           <a:p>
             <a:r>
               <a:rPr lang="en-US" dirty="0"/>
-              <a:t>Our client wants to know where to open a new Gastropub in Phoenix, AZ so that they have the best chances of being successful.</a:t>
+              <a:t>Our client wants to know where to open a new American Restaurant in Phoenix, AZ so that they have the best chances of being successful.</a:t>
             </a:r>
           </a:p>
         </p:txBody>
@@ -13504,7 +13509,7 @@
         <p:spPr/>
         <p:txBody>
           <a:bodyPr>
-            <a:normAutofit/>
+            <a:normAutofit lnSpcReduction="10000"/>
           </a:bodyPr>
           <a:lstStyle/>
           <a:p>
@@ -13516,7 +13521,7 @@
           <a:p>
             <a:r>
               <a:rPr lang="en-US" dirty="0"/>
-              <a:t>They would like to open a new Gastropub.</a:t>
+              <a:t>They would like to open a new American Restaurant.</a:t>
             </a:r>
           </a:p>
           <a:p>
@@ -13528,13 +13533,13 @@
           <a:p>
             <a:r>
               <a:rPr lang="en-US" dirty="0"/>
-              <a:t>Their Gastropub will be on the pricier end of the spectrum, so they’d like to target people with higher incomes that can afford to eat there.</a:t>
+              <a:t>Their American Restaurant will be on the pricier end of the spectrum, so they’d like to target people with higher incomes that can afford to eat there.</a:t>
             </a:r>
           </a:p>
           <a:p>
             <a:r>
               <a:rPr lang="en-US" dirty="0"/>
-              <a:t>They also would like to be in an area where Gastropubs are popular so there is a proven track record of demand for that type of restaurant. </a:t>
+              <a:t>They also would like to be in an area where American Restaurants are popular so there is a proven track record of demand for that type of restaurant. </a:t>
             </a:r>
           </a:p>
         </p:txBody>
@@ -13988,11 +13993,91 @@
           <a:p>
             <a:r>
               <a:rPr lang="en-US" dirty="0"/>
-              <a:t>Methodology section which represents the main component of the report where you discuss and describe any exploratory data analysis that you did, any inferential statistical testing that you performed, if any, and what machine learnings were used and why.</a:t>
+              <a:t>Reviewed most popular venues in Phoenix</a:t>
             </a:r>
+          </a:p>
+          <a:p>
+            <a:endParaRPr lang="en-US" dirty="0"/>
+          </a:p>
+          <a:p>
+            <a:endParaRPr lang="en-US" dirty="0"/>
+          </a:p>
+          <a:p>
+            <a:endParaRPr lang="en-US" dirty="0"/>
+          </a:p>
+          <a:p>
+            <a:endParaRPr lang="en-US" dirty="0"/>
+          </a:p>
+          <a:p>
+            <a:endParaRPr lang="en-US" dirty="0"/>
+          </a:p>
+          <a:p>
+            <a:r>
+              <a:rPr lang="en-US" dirty="0"/>
+              <a:t>Top zip codes with highest average American Restaurants</a:t>
+            </a:r>
+          </a:p>
+          <a:p>
+            <a:endParaRPr lang="en-US" dirty="0"/>
           </a:p>
         </p:txBody>
       </p:sp>
+      <p:pic>
+        <p:nvPicPr>
+          <p:cNvPr id="4" name="Picture 3">
+            <a:extLst>
+              <a:ext uri="{FF2B5EF4-FFF2-40B4-BE49-F238E27FC236}">
+                <a16:creationId xmlns:a16="http://schemas.microsoft.com/office/drawing/2014/main" id="{1FA2FEBE-8ED7-4250-A67F-72100818255B}"/>
+              </a:ext>
+            </a:extLst>
+          </p:cNvPr>
+          <p:cNvPicPr/>
+          <p:nvPr/>
+        </p:nvPicPr>
+        <p:blipFill>
+          <a:blip r:embed="rId2"/>
+          <a:stretch>
+            <a:fillRect/>
+          </a:stretch>
+        </p:blipFill>
+        <p:spPr>
+          <a:xfrm>
+            <a:off x="3124200" y="2982090"/>
+            <a:ext cx="5943600" cy="1490980"/>
+          </a:xfrm>
+          <a:prstGeom prst="rect">
+            <a:avLst/>
+          </a:prstGeom>
+        </p:spPr>
+      </p:pic>
+      <p:pic>
+        <p:nvPicPr>
+          <p:cNvPr id="5" name="Picture 4">
+            <a:extLst>
+              <a:ext uri="{FF2B5EF4-FFF2-40B4-BE49-F238E27FC236}">
+                <a16:creationId xmlns:a16="http://schemas.microsoft.com/office/drawing/2014/main" id="{38665B95-6611-48B2-9B71-F13B1BAD1041}"/>
+              </a:ext>
+            </a:extLst>
+          </p:cNvPr>
+          <p:cNvPicPr/>
+          <p:nvPr/>
+        </p:nvPicPr>
+        <p:blipFill>
+          <a:blip r:embed="rId3"/>
+          <a:stretch>
+            <a:fillRect/>
+          </a:stretch>
+        </p:blipFill>
+        <p:spPr>
+          <a:xfrm>
+            <a:off x="8278569" y="4516276"/>
+            <a:ext cx="2057400" cy="2171700"/>
+          </a:xfrm>
+          <a:prstGeom prst="rect">
+            <a:avLst/>
+          </a:prstGeom>
+        </p:spPr>
+      </p:pic>
     </p:spTree>
     <p:extLst>
       <p:ext uri="{BB962C8B-B14F-4D97-AF65-F5344CB8AC3E}">
@@ -14074,11 +14159,53 @@
           <a:p>
             <a:r>
               <a:rPr lang="en-US" dirty="0"/>
-              <a:t>Methodology section which represents the main component of the report where you discuss and describe any exploratory data analysis that you did, any inferential statistical testing that you performed, if any, and what machine learnings were used and why.</a:t>
+              <a:t>Merged dataset together to have average household income, average venue density, and zip code data in one </a:t>
             </a:r>
+            <a:r>
+              <a:rPr lang="en-US" dirty="0" err="1"/>
+              <a:t>dataframe</a:t>
+            </a:r>
+            <a:endParaRPr lang="en-US" dirty="0"/>
+          </a:p>
+          <a:p>
+            <a:r>
+              <a:rPr lang="en-US" dirty="0"/>
+              <a:t>R-squared coefficient between average American Restaurants and Average household income</a:t>
+            </a:r>
+          </a:p>
+          <a:p>
+            <a:endParaRPr lang="en-US" dirty="0"/>
           </a:p>
         </p:txBody>
       </p:sp>
+      <p:pic>
+        <p:nvPicPr>
+          <p:cNvPr id="4" name="Picture 3">
+            <a:extLst>
+              <a:ext uri="{FF2B5EF4-FFF2-40B4-BE49-F238E27FC236}">
+                <a16:creationId xmlns:a16="http://schemas.microsoft.com/office/drawing/2014/main" id="{10F5C64D-54E6-4DD4-A69A-43C748C8AC9A}"/>
+              </a:ext>
+            </a:extLst>
+          </p:cNvPr>
+          <p:cNvPicPr/>
+          <p:nvPr/>
+        </p:nvPicPr>
+        <p:blipFill>
+          <a:blip r:embed="rId2"/>
+          <a:stretch>
+            <a:fillRect/>
+          </a:stretch>
+        </p:blipFill>
+        <p:spPr>
+          <a:xfrm>
+            <a:off x="2851978" y="4037826"/>
+            <a:ext cx="5943600" cy="842010"/>
+          </a:xfrm>
+          <a:prstGeom prst="rect">
+            <a:avLst/>
+          </a:prstGeom>
+        </p:spPr>
+      </p:pic>
     </p:spTree>
     <p:extLst>
       <p:ext uri="{BB962C8B-B14F-4D97-AF65-F5344CB8AC3E}">
@@ -14132,7 +14259,7 @@
           <a:p>
             <a:r>
               <a:rPr lang="en-US" dirty="0"/>
-              <a:t>Results</a:t>
+              <a:t>Results – Two Options for Location</a:t>
             </a:r>
           </a:p>
         </p:txBody>
@@ -14153,14 +14280,176 @@
             <p:ph idx="1"/>
           </p:nvPr>
         </p:nvSpPr>
-        <p:spPr/>
+        <p:spPr>
+          <a:xfrm>
+            <a:off x="375527" y="2484529"/>
+            <a:ext cx="8825659" cy="3416300"/>
+          </a:xfrm>
+        </p:spPr>
         <p:txBody>
           <a:bodyPr/>
           <a:lstStyle/>
           <a:p>
             <a:r>
               <a:rPr lang="en-US" dirty="0"/>
-              <a:t>Results section where you discuss the results.</a:t>
+              <a:t>Most affluent zip code has no restaurants at all.</a:t>
+            </a:r>
+          </a:p>
+          <a:p>
+            <a:pPr lvl="1"/>
+            <a:r>
+              <a:rPr lang="en-US" dirty="0"/>
+              <a:t>Unclear if this is because there are no restaurant spaces or they have been unsuccessful</a:t>
+            </a:r>
+          </a:p>
+          <a:p>
+            <a:pPr lvl="2"/>
+            <a:r>
+              <a:rPr lang="en-US" dirty="0"/>
+              <a:t>Need to do further research on historical restaurants to see if any have been opened here before and why they closed</a:t>
+            </a:r>
+          </a:p>
+          <a:p>
+            <a:r>
+              <a:rPr lang="en-US" dirty="0"/>
+              <a:t>Highest average American Restaurant zip code only has American Restaurants.</a:t>
+            </a:r>
+          </a:p>
+          <a:p>
+            <a:pPr lvl="1"/>
+            <a:r>
+              <a:rPr lang="en-US" dirty="0"/>
+              <a:t>Looks like there is a park in that zip code and only American Restaurants</a:t>
+            </a:r>
+          </a:p>
+          <a:p>
+            <a:pPr lvl="1"/>
+            <a:endParaRPr lang="en-US" dirty="0"/>
+          </a:p>
+        </p:txBody>
+      </p:sp>
+      <p:pic>
+        <p:nvPicPr>
+          <p:cNvPr id="4" name="Picture 3">
+            <a:extLst>
+              <a:ext uri="{FF2B5EF4-FFF2-40B4-BE49-F238E27FC236}">
+                <a16:creationId xmlns:a16="http://schemas.microsoft.com/office/drawing/2014/main" id="{042287B7-93D2-4257-9F02-44498ABDB38C}"/>
+              </a:ext>
+            </a:extLst>
+          </p:cNvPr>
+          <p:cNvPicPr/>
+          <p:nvPr/>
+        </p:nvPicPr>
+        <p:blipFill>
+          <a:blip r:embed="rId2"/>
+          <a:stretch>
+            <a:fillRect/>
+          </a:stretch>
+        </p:blipFill>
+        <p:spPr>
+          <a:xfrm>
+            <a:off x="8992541" y="2501026"/>
+            <a:ext cx="2926080" cy="1424940"/>
+          </a:xfrm>
+          <a:prstGeom prst="rect">
+            <a:avLst/>
+          </a:prstGeom>
+        </p:spPr>
+      </p:pic>
+      <p:sp>
+        <p:nvSpPr>
+          <p:cNvPr id="5" name="TextBox 4">
+            <a:extLst>
+              <a:ext uri="{FF2B5EF4-FFF2-40B4-BE49-F238E27FC236}">
+                <a16:creationId xmlns:a16="http://schemas.microsoft.com/office/drawing/2014/main" id="{A244620C-89D8-479C-BB83-A698B087EDAE}"/>
+              </a:ext>
+            </a:extLst>
+          </p:cNvPr>
+          <p:cNvSpPr txBox="1"/>
+          <p:nvPr/>
+        </p:nvSpPr>
+        <p:spPr>
+          <a:xfrm>
+            <a:off x="9017654" y="4061874"/>
+            <a:ext cx="3084499" cy="261610"/>
+          </a:xfrm>
+          <a:prstGeom prst="rect">
+            <a:avLst/>
+          </a:prstGeom>
+          <a:noFill/>
+        </p:spPr>
+        <p:txBody>
+          <a:bodyPr wrap="none" rtlCol="0">
+            <a:spAutoFit/>
+          </a:bodyPr>
+          <a:lstStyle/>
+          <a:p>
+            <a:r>
+              <a:rPr lang="en-US" sz="1100" dirty="0"/>
+              <a:t>Most affluent zip with most popular venues</a:t>
+            </a:r>
+          </a:p>
+        </p:txBody>
+      </p:sp>
+      <p:pic>
+        <p:nvPicPr>
+          <p:cNvPr id="6" name="Picture 5">
+            <a:extLst>
+              <a:ext uri="{FF2B5EF4-FFF2-40B4-BE49-F238E27FC236}">
+                <a16:creationId xmlns:a16="http://schemas.microsoft.com/office/drawing/2014/main" id="{023B5838-F456-4AA3-86D9-409F34062EB2}"/>
+              </a:ext>
+            </a:extLst>
+          </p:cNvPr>
+          <p:cNvPicPr/>
+          <p:nvPr/>
+        </p:nvPicPr>
+        <p:blipFill>
+          <a:blip r:embed="rId3"/>
+          <a:stretch>
+            <a:fillRect/>
+          </a:stretch>
+        </p:blipFill>
+        <p:spPr>
+          <a:xfrm>
+            <a:off x="9017654" y="4354990"/>
+            <a:ext cx="2811780" cy="1264920"/>
+          </a:xfrm>
+          <a:prstGeom prst="rect">
+            <a:avLst/>
+          </a:prstGeom>
+        </p:spPr>
+      </p:pic>
+      <p:sp>
+        <p:nvSpPr>
+          <p:cNvPr id="7" name="TextBox 6">
+            <a:extLst>
+              <a:ext uri="{FF2B5EF4-FFF2-40B4-BE49-F238E27FC236}">
+                <a16:creationId xmlns:a16="http://schemas.microsoft.com/office/drawing/2014/main" id="{932CCE0E-A4E9-46F0-AA39-DE3AEE6EC59D}"/>
+              </a:ext>
+            </a:extLst>
+          </p:cNvPr>
+          <p:cNvSpPr txBox="1"/>
+          <p:nvPr/>
+        </p:nvSpPr>
+        <p:spPr>
+          <a:xfrm>
+            <a:off x="9017653" y="5624533"/>
+            <a:ext cx="2270173" cy="261610"/>
+          </a:xfrm>
+          <a:prstGeom prst="rect">
+            <a:avLst/>
+          </a:prstGeom>
+          <a:noFill/>
+        </p:spPr>
+        <p:txBody>
+          <a:bodyPr wrap="none" rtlCol="0">
+            <a:spAutoFit/>
+          </a:bodyPr>
+          <a:lstStyle/>
+          <a:p>
+            <a:r>
+              <a:rPr lang="en-US" sz="1100" dirty="0"/>
+              <a:t>Most American Restaurants zip</a:t>
             </a:r>
           </a:p>
         </p:txBody>
@@ -14246,7 +14535,13 @@
           <a:p>
             <a:r>
               <a:rPr lang="en-US" dirty="0"/>
-              <a:t>Discussion section where you discuss any observations you noted and any recommendations you can make based on the results.</a:t>
+              <a:t>If we were able to find a dataset that grouped zip codes into neighborhoods, that might give us a more robust dataset to work from.</a:t>
+            </a:r>
+          </a:p>
+          <a:p>
+            <a:r>
+              <a:rPr lang="en-US" dirty="0"/>
+              <a:t>Would like to, in the future, look at the historical restaurant data in these two zip codes to help inform our decision on what kinds of restaurants have been most successful (longest lifespan)</a:t>
             </a:r>
           </a:p>
         </p:txBody>
